--- a/slides/Python_class2.pptx
+++ b/slides/Python_class2.pptx
@@ -162,6 +162,11 @@
       </a:defRPr>
     </a:lvl9pPr>
   </p:defaultTextStyle>
+  <p:extLst>
+    <p:ext uri="{EFAFB233-063F-42B5-8137-9DF3F51BA10A}">
+      <p15:sldGuideLst xmlns:p15="http://schemas.microsoft.com/office/powerpoint/2012/main"/>
+    </p:ext>
+  </p:extLst>
 </p:presentation>
 </file>
 
@@ -247,7 +252,7 @@
           <a:p>
             <a:fld id="{1A829B53-4AE4-7F48-A5E6-BAACEF0D6A2C}" type="datetimeFigureOut">
               <a:rPr lang="en-US" smtClean="0"/>
-              <a:t>9/16/19</a:t>
+              <a:t>9/19/19</a:t>
             </a:fld>
             <a:endParaRPr lang="en-US"/>
           </a:p>
@@ -698,7 +703,7 @@
           <a:p>
             <a:fld id="{F7C83C21-5FB4-BB4A-9025-A54933A8CC46}" type="datetimeFigureOut">
               <a:rPr lang="en-US" smtClean="0"/>
-              <a:t>9/16/19</a:t>
+              <a:t>9/19/19</a:t>
             </a:fld>
             <a:endParaRPr lang="en-US"/>
           </a:p>
@@ -1136,7 +1141,7 @@
           <a:p>
             <a:fld id="{F7C83C21-5FB4-BB4A-9025-A54933A8CC46}" type="datetimeFigureOut">
               <a:rPr lang="en-US" smtClean="0"/>
-              <a:t>9/16/19</a:t>
+              <a:t>9/19/19</a:t>
             </a:fld>
             <a:endParaRPr lang="en-US"/>
           </a:p>
@@ -1613,7 +1618,7 @@
           <a:p>
             <a:fld id="{F7C83C21-5FB4-BB4A-9025-A54933A8CC46}" type="datetimeFigureOut">
               <a:rPr lang="en-US" smtClean="0"/>
-              <a:t>9/16/19</a:t>
+              <a:t>9/19/19</a:t>
             </a:fld>
             <a:endParaRPr lang="en-US"/>
           </a:p>
@@ -2102,7 +2107,7 @@
           <a:p>
             <a:fld id="{F7C83C21-5FB4-BB4A-9025-A54933A8CC46}" type="datetimeFigureOut">
               <a:rPr lang="en-US" smtClean="0"/>
-              <a:t>9/16/19</a:t>
+              <a:t>9/19/19</a:t>
             </a:fld>
             <a:endParaRPr lang="en-US"/>
           </a:p>
@@ -2581,7 +2586,7 @@
           <a:p>
             <a:fld id="{F7C83C21-5FB4-BB4A-9025-A54933A8CC46}" type="datetimeFigureOut">
               <a:rPr lang="en-US" smtClean="0"/>
-              <a:t>9/16/19</a:t>
+              <a:t>9/19/19</a:t>
             </a:fld>
             <a:endParaRPr lang="en-US"/>
           </a:p>
@@ -2914,7 +2919,7 @@
           <a:p>
             <a:fld id="{F7C83C21-5FB4-BB4A-9025-A54933A8CC46}" type="datetimeFigureOut">
               <a:rPr lang="en-US" smtClean="0"/>
-              <a:t>9/16/19</a:t>
+              <a:t>9/19/19</a:t>
             </a:fld>
             <a:endParaRPr lang="en-US"/>
           </a:p>
@@ -3197,7 +3202,7 @@
           <a:p>
             <a:fld id="{F7C83C21-5FB4-BB4A-9025-A54933A8CC46}" type="datetimeFigureOut">
               <a:rPr lang="en-US" smtClean="0"/>
-              <a:t>9/16/19</a:t>
+              <a:t>9/19/19</a:t>
             </a:fld>
             <a:endParaRPr lang="en-US"/>
           </a:p>
@@ -4494,7 +4499,7 @@
           <a:p>
             <a:fld id="{F7C83C21-5FB4-BB4A-9025-A54933A8CC46}" type="datetimeFigureOut">
               <a:rPr lang="en-US" smtClean="0"/>
-              <a:t>9/16/19</a:t>
+              <a:t>9/19/19</a:t>
             </a:fld>
             <a:endParaRPr lang="en-US"/>
           </a:p>
@@ -9643,7 +9648,7 @@
           <a:p>
             <a:fld id="{F7C83C21-5FB4-BB4A-9025-A54933A8CC46}" type="datetimeFigureOut">
               <a:rPr lang="en-US" smtClean="0"/>
-              <a:t>9/16/19</a:t>
+              <a:t>9/19/19</a:t>
             </a:fld>
             <a:endParaRPr lang="en-US"/>
           </a:p>
@@ -9963,7 +9968,7 @@
           <a:p>
             <a:fld id="{F7C83C21-5FB4-BB4A-9025-A54933A8CC46}" type="datetimeFigureOut">
               <a:rPr lang="en-US" smtClean="0"/>
-              <a:t>9/16/19</a:t>
+              <a:t>9/19/19</a:t>
             </a:fld>
             <a:endParaRPr lang="en-US"/>
           </a:p>
@@ -14200,7 +14205,7 @@
         <p:spPr>
           <a:xfrm>
             <a:off x="821803" y="1327399"/>
-            <a:ext cx="10405640" cy="1938992"/>
+            <a:ext cx="10405640" cy="4154984"/>
           </a:xfrm>
           <a:prstGeom prst="rect">
             <a:avLst/>
@@ -14213,31 +14218,31 @@
           <a:lstStyle/>
           <a:p>
             <a:r>
-              <a:rPr lang="en-US" dirty="0"/>
+              <a:rPr lang="en-US" sz="3200" dirty="0"/>
               <a:t>Write a function named </a:t>
             </a:r>
             <a:r>
-              <a:rPr lang="en-US" b="1" dirty="0" err="1"/>
+              <a:rPr lang="en-US" sz="3200" b="1" dirty="0" err="1"/>
               <a:t>readposint</a:t>
             </a:r>
             <a:r>
-              <a:rPr lang="en-US" dirty="0"/>
+              <a:rPr lang="en-US" sz="3200" dirty="0"/>
               <a:t> that uses the </a:t>
             </a:r>
             <a:r>
-              <a:rPr lang="en-US" b="1" dirty="0"/>
+              <a:rPr lang="en-US" sz="3200" b="1" dirty="0"/>
               <a:t>input</a:t>
             </a:r>
             <a:r>
-              <a:rPr lang="en-US" dirty="0"/>
+              <a:rPr lang="en-US" sz="3200" dirty="0"/>
               <a:t> dialog to prompt the user for a positive integer and then checks the input to confirm that it meets the requirements. It should be able to handle inputs that cannot be converted to int, as well as negative </a:t>
             </a:r>
             <a:r>
-              <a:rPr lang="en-US" dirty="0" err="1"/>
+              <a:rPr lang="en-US" sz="3200" dirty="0" err="1"/>
               <a:t>ints</a:t>
             </a:r>
             <a:r>
-              <a:rPr lang="en-US" dirty="0"/>
+              <a:rPr lang="en-US" sz="3200" dirty="0"/>
               <a:t>, and edge cases (e.g. when the user closes the dialog, or does not enter anything at all.)</a:t>
             </a:r>
           </a:p>
